--- a/01-basics/exercises/05-naming_is_important.pptx
+++ b/01-basics/exercises/05-naming_is_important.pptx
@@ -259,7 +259,7 @@
           <a:p>
             <a:fld id="{29ACDA0D-A392-4E5E-829D-DE49BC7D92D5}" type="datetimeFigureOut">
               <a:rPr kumimoji="1" lang="ja-JP" altLang="en-US" smtClean="0"/>
-              <a:t>2023/12/22</a:t>
+              <a:t>2024/1/17</a:t>
             </a:fld>
             <a:endParaRPr kumimoji="1" lang="ja-JP" altLang="en-US"/>
           </a:p>
@@ -489,7 +489,7 @@
           <a:p>
             <a:fld id="{29ACDA0D-A392-4E5E-829D-DE49BC7D92D5}" type="datetimeFigureOut">
               <a:rPr kumimoji="1" lang="ja-JP" altLang="en-US" smtClean="0"/>
-              <a:t>2023/12/22</a:t>
+              <a:t>2024/1/17</a:t>
             </a:fld>
             <a:endParaRPr kumimoji="1" lang="ja-JP" altLang="en-US"/>
           </a:p>
@@ -563,6 +563,301 @@
 </file>
 
 <file path=ppt/slideLayouts/slideLayout3.xml><?xml version="1.0" encoding="utf-8"?>
+<p:sldLayout xmlns:a="http://schemas.openxmlformats.org/drawingml/2006/main" xmlns:r="http://schemas.openxmlformats.org/officeDocument/2006/relationships" xmlns:p="http://schemas.openxmlformats.org/presentationml/2006/main" preserve="1" userDrawn="1">
+  <p:cSld name="イメージ">
+    <p:spTree>
+      <p:nvGrpSpPr>
+        <p:cNvPr id="1" name=""/>
+        <p:cNvGrpSpPr/>
+        <p:nvPr/>
+      </p:nvGrpSpPr>
+      <p:grpSpPr>
+        <a:xfrm>
+          <a:off x="0" y="0"/>
+          <a:ext cx="0" cy="0"/>
+          <a:chOff x="0" y="0"/>
+          <a:chExt cx="0" cy="0"/>
+        </a:xfrm>
+      </p:grpSpPr>
+      <p:sp>
+        <p:nvSpPr>
+          <p:cNvPr id="3" name="日付プレースホルダー 2">
+            <a:extLst>
+              <a:ext uri="{FF2B5EF4-FFF2-40B4-BE49-F238E27FC236}">
+                <a16:creationId xmlns:a16="http://schemas.microsoft.com/office/drawing/2014/main" id="{56B73270-EC66-44FA-D209-020C8C432620}"/>
+              </a:ext>
+            </a:extLst>
+          </p:cNvPr>
+          <p:cNvSpPr>
+            <a:spLocks noGrp="1"/>
+          </p:cNvSpPr>
+          <p:nvPr>
+            <p:ph type="dt" sz="half" idx="10"/>
+          </p:nvPr>
+        </p:nvSpPr>
+        <p:spPr/>
+        <p:txBody>
+          <a:bodyPr/>
+          <a:lstStyle/>
+          <a:p>
+            <a:fld id="{29ACDA0D-A392-4E5E-829D-DE49BC7D92D5}" type="datetimeFigureOut">
+              <a:rPr kumimoji="1" lang="ja-JP" altLang="en-US" smtClean="0"/>
+              <a:t>2024/1/17</a:t>
+            </a:fld>
+            <a:endParaRPr kumimoji="1" lang="ja-JP" altLang="en-US"/>
+          </a:p>
+        </p:txBody>
+      </p:sp>
+      <p:sp>
+        <p:nvSpPr>
+          <p:cNvPr id="4" name="フッター プレースホルダー 3">
+            <a:extLst>
+              <a:ext uri="{FF2B5EF4-FFF2-40B4-BE49-F238E27FC236}">
+                <a16:creationId xmlns:a16="http://schemas.microsoft.com/office/drawing/2014/main" id="{95FC014C-5438-5C71-581F-84E9195DCA27}"/>
+              </a:ext>
+            </a:extLst>
+          </p:cNvPr>
+          <p:cNvSpPr>
+            <a:spLocks noGrp="1"/>
+          </p:cNvSpPr>
+          <p:nvPr>
+            <p:ph type="ftr" sz="quarter" idx="11"/>
+          </p:nvPr>
+        </p:nvSpPr>
+        <p:spPr/>
+        <p:txBody>
+          <a:bodyPr/>
+          <a:lstStyle/>
+          <a:p>
+            <a:endParaRPr kumimoji="1" lang="ja-JP" altLang="en-US"/>
+          </a:p>
+        </p:txBody>
+      </p:sp>
+      <p:sp>
+        <p:nvSpPr>
+          <p:cNvPr id="5" name="スライド番号プレースホルダー 4">
+            <a:extLst>
+              <a:ext uri="{FF2B5EF4-FFF2-40B4-BE49-F238E27FC236}">
+                <a16:creationId xmlns:a16="http://schemas.microsoft.com/office/drawing/2014/main" id="{0AD83DAB-1E01-FC54-FBCA-6A5549936D05}"/>
+              </a:ext>
+            </a:extLst>
+          </p:cNvPr>
+          <p:cNvSpPr>
+            <a:spLocks noGrp="1"/>
+          </p:cNvSpPr>
+          <p:nvPr>
+            <p:ph type="sldNum" sz="quarter" idx="12"/>
+          </p:nvPr>
+        </p:nvSpPr>
+        <p:spPr/>
+        <p:txBody>
+          <a:bodyPr/>
+          <a:lstStyle/>
+          <a:p>
+            <a:fld id="{4A723ADA-11CC-49F7-AF4B-76CAD7E0CCA2}" type="slidenum">
+              <a:rPr kumimoji="1" lang="ja-JP" altLang="en-US" smtClean="0"/>
+              <a:t>‹#›</a:t>
+            </a:fld>
+            <a:endParaRPr kumimoji="1" lang="ja-JP" altLang="en-US"/>
+          </a:p>
+        </p:txBody>
+      </p:sp>
+      <p:sp>
+        <p:nvSpPr>
+          <p:cNvPr id="6" name="テキスト ボックス 5">
+            <a:extLst>
+              <a:ext uri="{FF2B5EF4-FFF2-40B4-BE49-F238E27FC236}">
+                <a16:creationId xmlns:a16="http://schemas.microsoft.com/office/drawing/2014/main" id="{1ACF16CD-B5F6-14CD-792D-9E709AEC9160}"/>
+              </a:ext>
+            </a:extLst>
+          </p:cNvPr>
+          <p:cNvSpPr txBox="1"/>
+          <p:nvPr userDrawn="1"/>
+        </p:nvSpPr>
+        <p:spPr>
+          <a:xfrm>
+            <a:off x="6704881" y="5906141"/>
+            <a:ext cx="5471304" cy="276999"/>
+          </a:xfrm>
+          <a:prstGeom prst="rect">
+            <a:avLst/>
+          </a:prstGeom>
+          <a:noFill/>
+        </p:spPr>
+        <p:txBody>
+          <a:bodyPr wrap="square">
+            <a:spAutoFit/>
+          </a:bodyPr>
+          <a:lstStyle/>
+          <a:p>
+            <a:r>
+              <a:rPr lang="ja-JP" altLang="en-US" sz="1200" dirty="0"/>
+              <a:t>出典</a:t>
+            </a:r>
+            <a:r>
+              <a:rPr lang="en-US" altLang="ja-JP" sz="1200" dirty="0"/>
+              <a:t>: </a:t>
+            </a:r>
+            <a:r>
+              <a:rPr lang="ja-JP" altLang="en-US" sz="1200" dirty="0">
+                <a:hlinkClick r:id="rId2"/>
+              </a:rPr>
+              <a:t>https://twitter.com/nakamurakihiro/status/1230798247989366784</a:t>
+            </a:r>
+            <a:endParaRPr lang="ja-JP" altLang="en-US" sz="1200" dirty="0"/>
+          </a:p>
+        </p:txBody>
+      </p:sp>
+      <p:pic>
+        <p:nvPicPr>
+          <p:cNvPr id="8" name="Picture 2" descr="画像">
+            <a:extLst>
+              <a:ext uri="{FF2B5EF4-FFF2-40B4-BE49-F238E27FC236}">
+                <a16:creationId xmlns:a16="http://schemas.microsoft.com/office/drawing/2014/main" id="{537B637D-707D-ECB3-9973-E1299E930B1C}"/>
+              </a:ext>
+            </a:extLst>
+          </p:cNvPr>
+          <p:cNvPicPr>
+            <a:picLocks noChangeAspect="1" noChangeArrowheads="1"/>
+          </p:cNvPicPr>
+          <p:nvPr userDrawn="1"/>
+        </p:nvPicPr>
+        <p:blipFill rotWithShape="1">
+          <a:blip r:embed="rId3">
+            <a:extLst>
+              <a:ext uri="{28A0092B-C50C-407E-A947-70E740481C1C}">
+                <a14:useLocalDpi xmlns:a14="http://schemas.microsoft.com/office/drawing/2010/main" val="0"/>
+              </a:ext>
+            </a:extLst>
+          </a:blip>
+          <a:srcRect t="66595"/>
+          <a:stretch/>
+        </p:blipFill>
+        <p:spPr bwMode="auto">
+          <a:xfrm>
+            <a:off x="1284121" y="2224456"/>
+            <a:ext cx="9431367" cy="3322126"/>
+          </a:xfrm>
+          <a:prstGeom prst="rect">
+            <a:avLst/>
+          </a:prstGeom>
+          <a:noFill/>
+          <a:extLst>
+            <a:ext uri="{909E8E84-426E-40DD-AFC4-6F175D3DCCD1}">
+              <a14:hiddenFill xmlns:a14="http://schemas.microsoft.com/office/drawing/2010/main">
+                <a:solidFill>
+                  <a:srgbClr val="FFFFFF"/>
+                </a:solidFill>
+              </a14:hiddenFill>
+            </a:ext>
+          </a:extLst>
+        </p:spPr>
+      </p:pic>
+      <p:sp>
+        <p:nvSpPr>
+          <p:cNvPr id="10" name="タイトル 3">
+            <a:extLst>
+              <a:ext uri="{FF2B5EF4-FFF2-40B4-BE49-F238E27FC236}">
+                <a16:creationId xmlns:a16="http://schemas.microsoft.com/office/drawing/2014/main" id="{F2C3DC55-020E-37D2-1A2F-A8D20C14E44A}"/>
+              </a:ext>
+            </a:extLst>
+          </p:cNvPr>
+          <p:cNvSpPr txBox="1">
+            <a:spLocks/>
+          </p:cNvSpPr>
+          <p:nvPr userDrawn="1"/>
+        </p:nvSpPr>
+        <p:spPr>
+          <a:xfrm>
+            <a:off x="838200" y="365125"/>
+            <a:ext cx="10515600" cy="1325563"/>
+          </a:xfrm>
+          <a:prstGeom prst="rect">
+            <a:avLst/>
+          </a:prstGeom>
+        </p:spPr>
+        <p:txBody>
+          <a:bodyPr vert="horz" lIns="91440" tIns="45720" rIns="91440" bIns="45720" rtlCol="0" anchor="ctr">
+            <a:normAutofit/>
+          </a:bodyPr>
+          <a:lstStyle>
+            <a:lvl1pPr algn="l" defTabSz="914400" rtl="0" eaLnBrk="1" latinLnBrk="0" hangingPunct="1">
+              <a:lnSpc>
+                <a:spcPct val="90000"/>
+              </a:lnSpc>
+              <a:spcBef>
+                <a:spcPct val="0"/>
+              </a:spcBef>
+              <a:buNone/>
+              <a:defRPr kumimoji="1" sz="4400" kern="1200">
+                <a:solidFill>
+                  <a:schemeClr val="tx1"/>
+                </a:solidFill>
+                <a:latin typeface="+mj-lt"/>
+                <a:ea typeface="+mj-ea"/>
+                <a:cs typeface="+mj-cs"/>
+              </a:defRPr>
+            </a:lvl1pPr>
+          </a:lstStyle>
+          <a:p>
+            <a:r>
+              <a:rPr kumimoji="1" lang="ja-JP" altLang="en-US" dirty="0"/>
+              <a:t>🧑「こういう変数です」</a:t>
+            </a:r>
+            <a:endParaRPr lang="ja-JP" altLang="en-US" dirty="0"/>
+          </a:p>
+        </p:txBody>
+      </p:sp>
+      <p:sp>
+        <p:nvSpPr>
+          <p:cNvPr id="12" name="テキスト ボックス 11">
+            <a:extLst>
+              <a:ext uri="{FF2B5EF4-FFF2-40B4-BE49-F238E27FC236}">
+                <a16:creationId xmlns:a16="http://schemas.microsoft.com/office/drawing/2014/main" id="{72B0A539-3789-51E0-55BB-AC14771C2D76}"/>
+              </a:ext>
+            </a:extLst>
+          </p:cNvPr>
+          <p:cNvSpPr txBox="1"/>
+          <p:nvPr userDrawn="1"/>
+        </p:nvSpPr>
+        <p:spPr>
+          <a:xfrm>
+            <a:off x="1284121" y="2221316"/>
+            <a:ext cx="3690571" cy="369332"/>
+          </a:xfrm>
+          <a:prstGeom prst="rect">
+            <a:avLst/>
+          </a:prstGeom>
+          <a:noFill/>
+        </p:spPr>
+        <p:txBody>
+          <a:bodyPr wrap="square">
+            <a:spAutoFit/>
+          </a:bodyPr>
+          <a:lstStyle/>
+          <a:p>
+            <a:pPr algn="ctr"/>
+            <a:r>
+              <a:rPr lang="ja-JP" altLang="en-US" b="1" dirty="0"/>
+              <a:t>頭が赤い魚を食べる猫</a:t>
+            </a:r>
+          </a:p>
+        </p:txBody>
+      </p:sp>
+    </p:spTree>
+    <p:extLst>
+      <p:ext uri="{BB962C8B-B14F-4D97-AF65-F5344CB8AC3E}">
+        <p14:creationId xmlns:p14="http://schemas.microsoft.com/office/powerpoint/2010/main" val="1141824420"/>
+      </p:ext>
+    </p:extLst>
+  </p:cSld>
+  <p:clrMapOvr>
+    <a:masterClrMapping/>
+  </p:clrMapOvr>
+</p:sldLayout>
+</file>
+
+<file path=ppt/slideLayouts/slideLayout4.xml><?xml version="1.0" encoding="utf-8"?>
 <p:sldLayout xmlns:a="http://schemas.openxmlformats.org/drawingml/2006/main" xmlns:r="http://schemas.openxmlformats.org/officeDocument/2006/relationships" xmlns:p="http://schemas.openxmlformats.org/presentationml/2006/main" preserve="1" userDrawn="1">
   <p:cSld name="ユーザー設定レイアウト">
     <p:spTree>
@@ -639,7 +934,7 @@
                 <a:ea typeface="游ゴシック" panose="020B0400000000000000" pitchFamily="50" charset="-128"/>
                 <a:cs typeface="+mn-cs"/>
               </a:rPr>
-              <a:t>それぞれの問題に答えてください</a:t>
+              <a:t>以下の問題に答えてください</a:t>
             </a:r>
             <a:endParaRPr kumimoji="1" lang="en-US" altLang="ja-JP" sz="2400" b="0" i="0" u="none" strike="noStrike" kern="1200" cap="none" spc="0" normalizeH="0" baseline="0" noProof="0" dirty="0">
               <a:ln>
@@ -987,7 +1282,7 @@
           <a:p>
             <a:fld id="{29ACDA0D-A392-4E5E-829D-DE49BC7D92D5}" type="datetimeFigureOut">
               <a:rPr kumimoji="1" lang="ja-JP" altLang="en-US" smtClean="0"/>
-              <a:t>2023/12/22</a:t>
+              <a:t>2024/1/17</a:t>
             </a:fld>
             <a:endParaRPr kumimoji="1" lang="ja-JP" altLang="en-US"/>
           </a:p>
@@ -1192,8 +1487,37 @@
                   <a:srgbClr val="FF0000"/>
                 </a:solidFill>
               </a:rPr>
-              <a:t>猫または魚</a:t>
-            </a:r>
+              <a:t>魚</a:t>
+            </a:r>
+            <a:r>
+              <a:rPr kumimoji="1" lang="en-US" altLang="ja-JP" sz="2800" b="1" dirty="0">
+                <a:solidFill>
+                  <a:srgbClr val="FF0000"/>
+                </a:solidFill>
+              </a:rPr>
+              <a:t>(</a:t>
+            </a:r>
+            <a:r>
+              <a:rPr kumimoji="1" lang="ja-JP" altLang="en-US" sz="2800" b="1" dirty="0">
+                <a:solidFill>
+                  <a:srgbClr val="FF0000"/>
+                </a:solidFill>
+              </a:rPr>
+              <a:t>頭だけでなく全体が赤い</a:t>
+            </a:r>
+            <a:r>
+              <a:rPr kumimoji="1" lang="en-US" altLang="ja-JP" sz="2800" b="1" dirty="0">
+                <a:solidFill>
+                  <a:srgbClr val="FF0000"/>
+                </a:solidFill>
+              </a:rPr>
+              <a:t>)</a:t>
+            </a:r>
+            <a:endParaRPr kumimoji="1" lang="ja-JP" altLang="en-US" sz="2800" b="1" dirty="0">
+              <a:solidFill>
+                <a:srgbClr val="FF0000"/>
+              </a:solidFill>
+            </a:endParaRPr>
           </a:p>
         </p:txBody>
       </p:sp>
@@ -1305,22 +1629,6 @@
                   <a:srgbClr val="FF0000"/>
                 </a:solidFill>
               </a:rPr>
-              <a:t>猫</a:t>
-            </a:r>
-            <a:r>
-              <a:rPr kumimoji="1" lang="en-US" altLang="ja-JP" sz="2800" b="1" dirty="0">
-                <a:solidFill>
-                  <a:srgbClr val="FF0000"/>
-                </a:solidFill>
-              </a:rPr>
-              <a:t>|</a:t>
-            </a:r>
-            <a:r>
-              <a:rPr kumimoji="1" lang="ja-JP" altLang="en-US" sz="2800" b="1" dirty="0">
-                <a:solidFill>
-                  <a:srgbClr val="FF0000"/>
-                </a:solidFill>
-              </a:rPr>
               <a:t>頭</a:t>
             </a:r>
           </a:p>
@@ -1582,6 +1890,71 @@
           </a:p>
         </p:txBody>
       </p:sp>
+      <p:sp>
+        <p:nvSpPr>
+          <p:cNvPr id="2" name="吹き出し: 角を丸めた四角形 1">
+            <a:extLst>
+              <a:ext uri="{FF2B5EF4-FFF2-40B4-BE49-F238E27FC236}">
+                <a16:creationId xmlns:a16="http://schemas.microsoft.com/office/drawing/2014/main" id="{1F51E06D-E14C-B19A-1A45-30EBA5FA01C0}"/>
+              </a:ext>
+            </a:extLst>
+          </p:cNvPr>
+          <p:cNvSpPr/>
+          <p:nvPr userDrawn="1"/>
+        </p:nvSpPr>
+        <p:spPr>
+          <a:xfrm>
+            <a:off x="6947391" y="1094299"/>
+            <a:ext cx="3471169" cy="778951"/>
+          </a:xfrm>
+          <a:prstGeom prst="wedgeRoundRectCallout">
+            <a:avLst>
+              <a:gd name="adj1" fmla="val -54848"/>
+              <a:gd name="adj2" fmla="val -38933"/>
+              <a:gd name="adj3" fmla="val 16667"/>
+            </a:avLst>
+          </a:prstGeom>
+          <a:ln w="28575"/>
+          <a:effectLst>
+            <a:outerShdw blurRad="50800" dist="38100" dir="5400000" algn="t" rotWithShape="0">
+              <a:prstClr val="black">
+                <a:alpha val="40000"/>
+              </a:prstClr>
+            </a:outerShdw>
+          </a:effectLst>
+        </p:spPr>
+        <p:style>
+          <a:lnRef idx="2">
+            <a:schemeClr val="dk1"/>
+          </a:lnRef>
+          <a:fillRef idx="1">
+            <a:schemeClr val="lt1"/>
+          </a:fillRef>
+          <a:effectRef idx="0">
+            <a:schemeClr val="dk1"/>
+          </a:effectRef>
+          <a:fontRef idx="minor">
+            <a:schemeClr val="dk1"/>
+          </a:fontRef>
+        </p:style>
+        <p:txBody>
+          <a:bodyPr rtlCol="0" anchor="ctr"/>
+          <a:lstStyle/>
+          <a:p>
+            <a:r>
+              <a:rPr kumimoji="1" lang="ja-JP" altLang="en-US" dirty="0"/>
+              <a:t>🧑「こういう名前の変数を</a:t>
+            </a:r>
+            <a:br>
+              <a:rPr kumimoji="1" lang="en-US" altLang="ja-JP" dirty="0"/>
+            </a:br>
+            <a:r>
+              <a:rPr kumimoji="1" lang="ja-JP" altLang="en-US" dirty="0"/>
+              <a:t>　　 作りました！」</a:t>
+            </a:r>
+          </a:p>
+        </p:txBody>
+      </p:sp>
     </p:spTree>
     <p:extLst>
       <p:ext uri="{BB962C8B-B14F-4D97-AF65-F5344CB8AC3E}">
@@ -1595,7 +1968,7 @@
 </p:sldLayout>
 </file>
 
-<file path=ppt/slideLayouts/slideLayout4.xml><?xml version="1.0" encoding="utf-8"?>
+<file path=ppt/slideLayouts/slideLayout5.xml><?xml version="1.0" encoding="utf-8"?>
 <p:sldLayout xmlns:a="http://schemas.openxmlformats.org/drawingml/2006/main" xmlns:r="http://schemas.openxmlformats.org/officeDocument/2006/relationships" xmlns:p="http://schemas.openxmlformats.org/presentationml/2006/main" preserve="1" userDrawn="1">
   <p:cSld name="1_ユーザー設定レイアウト">
     <p:spTree>
@@ -1635,7 +2008,7 @@
           <a:p>
             <a:fld id="{29ACDA0D-A392-4E5E-829D-DE49BC7D92D5}" type="datetimeFigureOut">
               <a:rPr kumimoji="1" lang="ja-JP" altLang="en-US" smtClean="0"/>
-              <a:t>2023/12/22</a:t>
+              <a:t>2024/1/17</a:t>
             </a:fld>
             <a:endParaRPr kumimoji="1" lang="ja-JP" altLang="en-US"/>
           </a:p>
@@ -2131,7 +2504,7 @@
           <a:p>
             <a:fld id="{29ACDA0D-A392-4E5E-829D-DE49BC7D92D5}" type="datetimeFigureOut">
               <a:rPr kumimoji="1" lang="ja-JP" altLang="en-US" smtClean="0"/>
-              <a:t>2023/12/22</a:t>
+              <a:t>2024/1/17</a:t>
             </a:fld>
             <a:endParaRPr kumimoji="1" lang="ja-JP" altLang="en-US"/>
           </a:p>
@@ -2279,8 +2652,9 @@
   <p:sldLayoutIdLst>
     <p:sldLayoutId id="2147483649" r:id="rId1"/>
     <p:sldLayoutId id="2147483650" r:id="rId2"/>
-    <p:sldLayoutId id="2147483657" r:id="rId3"/>
-    <p:sldLayoutId id="2147483658" r:id="rId4"/>
+    <p:sldLayoutId id="2147483659" r:id="rId3"/>
+    <p:sldLayoutId id="2147483657" r:id="rId4"/>
+    <p:sldLayoutId id="2147483658" r:id="rId5"/>
   </p:sldLayoutIdLst>
   <p:txStyles>
     <p:titleStyle>
@@ -2639,7 +3013,7 @@
             </a:pPr>
             <a:r>
               <a:rPr lang="ja-JP" altLang="en-US" sz="2400" dirty="0"/>
-              <a:t>それぞれの問題に答えてください</a:t>
+              <a:t>以下の問題に答えてください</a:t>
             </a:r>
             <a:endParaRPr lang="en-US" altLang="ja-JP" sz="2400" dirty="0"/>
           </a:p>
@@ -3126,6 +3500,73 @@
               <a:t>が</a:t>
             </a:r>
             <a:endParaRPr lang="ja-JP" altLang="en-US" sz="2000" dirty="0"/>
+          </a:p>
+        </p:txBody>
+      </p:sp>
+      <p:sp>
+        <p:nvSpPr>
+          <p:cNvPr id="6" name="吹き出し: 角を丸めた四角形 5">
+            <a:extLst>
+              <a:ext uri="{FF2B5EF4-FFF2-40B4-BE49-F238E27FC236}">
+                <a16:creationId xmlns:a16="http://schemas.microsoft.com/office/drawing/2014/main" id="{4A81ACC5-5E44-800B-9144-626D8EBCB94E}"/>
+              </a:ext>
+            </a:extLst>
+          </p:cNvPr>
+          <p:cNvSpPr>
+            <a:spLocks noGrp="1" noRot="1" noMove="1" noResize="1" noEditPoints="1" noAdjustHandles="1" noChangeArrowheads="1" noChangeShapeType="1"/>
+          </p:cNvSpPr>
+          <p:nvPr/>
+        </p:nvSpPr>
+        <p:spPr>
+          <a:xfrm>
+            <a:off x="6947391" y="1094299"/>
+            <a:ext cx="3471169" cy="778951"/>
+          </a:xfrm>
+          <a:prstGeom prst="wedgeRoundRectCallout">
+            <a:avLst>
+              <a:gd name="adj1" fmla="val -54848"/>
+              <a:gd name="adj2" fmla="val -38933"/>
+              <a:gd name="adj3" fmla="val 16667"/>
+            </a:avLst>
+          </a:prstGeom>
+          <a:ln w="28575"/>
+          <a:effectLst>
+            <a:outerShdw blurRad="50800" dist="38100" dir="5400000" algn="t" rotWithShape="0">
+              <a:prstClr val="black">
+                <a:alpha val="40000"/>
+              </a:prstClr>
+            </a:outerShdw>
+          </a:effectLst>
+        </p:spPr>
+        <p:style>
+          <a:lnRef idx="2">
+            <a:schemeClr val="dk1"/>
+          </a:lnRef>
+          <a:fillRef idx="1">
+            <a:schemeClr val="lt1"/>
+          </a:fillRef>
+          <a:effectRef idx="0">
+            <a:schemeClr val="dk1"/>
+          </a:effectRef>
+          <a:fontRef idx="minor">
+            <a:schemeClr val="dk1"/>
+          </a:fontRef>
+        </p:style>
+        <p:txBody>
+          <a:bodyPr rtlCol="0" anchor="ctr"/>
+          <a:lstStyle/>
+          <a:p>
+            <a:r>
+              <a:rPr kumimoji="1" lang="ja-JP" altLang="en-US" dirty="0"/>
+              <a:t>🧑「こういう名前の変数を</a:t>
+            </a:r>
+            <a:br>
+              <a:rPr kumimoji="1" lang="en-US" altLang="ja-JP" dirty="0"/>
+            </a:br>
+            <a:r>
+              <a:rPr kumimoji="1" lang="ja-JP" altLang="en-US" dirty="0"/>
+              <a:t>　　 作りました！」</a:t>
+            </a:r>
           </a:p>
         </p:txBody>
       </p:sp>
